--- a/erdos-music_project.pptx
+++ b/erdos-music_project.pptx
@@ -4,10 +4,16 @@
   <p:sldMasterIdLst>
     <p:sldMasterId id="2147483672" r:id="rId1"/>
   </p:sldMasterIdLst>
+  <p:notesMasterIdLst>
+    <p:notesMasterId r:id="rId8"/>
+  </p:notesMasterIdLst>
   <p:sldIdLst>
     <p:sldId id="256" r:id="rId2"/>
     <p:sldId id="257" r:id="rId3"/>
     <p:sldId id="258" r:id="rId4"/>
+    <p:sldId id="259" r:id="rId5"/>
+    <p:sldId id="260" r:id="rId6"/>
+    <p:sldId id="261" r:id="rId7"/>
   </p:sldIdLst>
   <p:sldSz cx="12192000" cy="6858000"/>
   <p:notesSz cx="6858000" cy="9144000"/>
@@ -106,7 +112,446 @@
       </a:defRPr>
     </a:lvl9pPr>
   </p:defaultTextStyle>
+  <p:extLst>
+    <p:ext uri="{EFAFB233-063F-42B5-8137-9DF3F51BA10A}">
+      <p15:sldGuideLst xmlns:p15="http://schemas.microsoft.com/office/powerpoint/2012/main"/>
+    </p:ext>
+  </p:extLst>
 </p:presentation>
+</file>
+
+<file path=ppt/notesMasters/notesMaster1.xml><?xml version="1.0" encoding="utf-8"?>
+<p:notesMaster xmlns:a="http://schemas.openxmlformats.org/drawingml/2006/main" xmlns:r="http://schemas.openxmlformats.org/officeDocument/2006/relationships" xmlns:p="http://schemas.openxmlformats.org/presentationml/2006/main">
+  <p:cSld>
+    <p:bg>
+      <p:bgRef idx="1001">
+        <a:schemeClr val="bg1"/>
+      </p:bgRef>
+    </p:bg>
+    <p:spTree>
+      <p:nvGrpSpPr>
+        <p:cNvPr id="1" name=""/>
+        <p:cNvGrpSpPr/>
+        <p:nvPr/>
+      </p:nvGrpSpPr>
+      <p:grpSpPr>
+        <a:xfrm>
+          <a:off x="0" y="0"/>
+          <a:ext cx="0" cy="0"/>
+          <a:chOff x="0" y="0"/>
+          <a:chExt cx="0" cy="0"/>
+        </a:xfrm>
+      </p:grpSpPr>
+      <p:sp>
+        <p:nvSpPr>
+          <p:cNvPr id="2" name="Header Placeholder 1"/>
+          <p:cNvSpPr>
+            <a:spLocks noGrp="1"/>
+          </p:cNvSpPr>
+          <p:nvPr>
+            <p:ph type="hdr" sz="quarter"/>
+          </p:nvPr>
+        </p:nvSpPr>
+        <p:spPr>
+          <a:xfrm>
+            <a:off x="0" y="0"/>
+            <a:ext cx="2971800" cy="458788"/>
+          </a:xfrm>
+          <a:prstGeom prst="rect">
+            <a:avLst/>
+          </a:prstGeom>
+        </p:spPr>
+        <p:txBody>
+          <a:bodyPr vert="horz" lIns="91440" tIns="45720" rIns="91440" bIns="45720" rtlCol="0"/>
+          <a:lstStyle>
+            <a:lvl1pPr algn="l">
+              <a:defRPr sz="1200"/>
+            </a:lvl1pPr>
+          </a:lstStyle>
+          <a:p>
+            <a:endParaRPr lang="en-US"/>
+          </a:p>
+        </p:txBody>
+      </p:sp>
+      <p:sp>
+        <p:nvSpPr>
+          <p:cNvPr id="3" name="Date Placeholder 2"/>
+          <p:cNvSpPr>
+            <a:spLocks noGrp="1"/>
+          </p:cNvSpPr>
+          <p:nvPr>
+            <p:ph type="dt" idx="1"/>
+          </p:nvPr>
+        </p:nvSpPr>
+        <p:spPr>
+          <a:xfrm>
+            <a:off x="3884613" y="0"/>
+            <a:ext cx="2971800" cy="458788"/>
+          </a:xfrm>
+          <a:prstGeom prst="rect">
+            <a:avLst/>
+          </a:prstGeom>
+        </p:spPr>
+        <p:txBody>
+          <a:bodyPr vert="horz" lIns="91440" tIns="45720" rIns="91440" bIns="45720" rtlCol="0"/>
+          <a:lstStyle>
+            <a:lvl1pPr algn="r">
+              <a:defRPr sz="1200"/>
+            </a:lvl1pPr>
+          </a:lstStyle>
+          <a:p>
+            <a:fld id="{472B43F0-3DCC-7E4D-8066-72B5F460EA20}" type="datetimeFigureOut">
+              <a:rPr lang="en-US" smtClean="0"/>
+              <a:t>5/30/20</a:t>
+            </a:fld>
+            <a:endParaRPr lang="en-US"/>
+          </a:p>
+        </p:txBody>
+      </p:sp>
+      <p:sp>
+        <p:nvSpPr>
+          <p:cNvPr id="4" name="Slide Image Placeholder 3"/>
+          <p:cNvSpPr>
+            <a:spLocks noGrp="1" noRot="1" noChangeAspect="1"/>
+          </p:cNvSpPr>
+          <p:nvPr>
+            <p:ph type="sldImg" idx="2"/>
+          </p:nvPr>
+        </p:nvSpPr>
+        <p:spPr>
+          <a:xfrm>
+            <a:off x="685800" y="1143000"/>
+            <a:ext cx="5486400" cy="3086100"/>
+          </a:xfrm>
+          <a:prstGeom prst="rect">
+            <a:avLst/>
+          </a:prstGeom>
+          <a:noFill/>
+          <a:ln w="12700">
+            <a:solidFill>
+              <a:prstClr val="black"/>
+            </a:solidFill>
+          </a:ln>
+        </p:spPr>
+        <p:txBody>
+          <a:bodyPr vert="horz" lIns="91440" tIns="45720" rIns="91440" bIns="45720" rtlCol="0" anchor="ctr"/>
+          <a:lstStyle/>
+          <a:p>
+            <a:endParaRPr lang="en-US"/>
+          </a:p>
+        </p:txBody>
+      </p:sp>
+      <p:sp>
+        <p:nvSpPr>
+          <p:cNvPr id="5" name="Notes Placeholder 4"/>
+          <p:cNvSpPr>
+            <a:spLocks noGrp="1"/>
+          </p:cNvSpPr>
+          <p:nvPr>
+            <p:ph type="body" sz="quarter" idx="3"/>
+          </p:nvPr>
+        </p:nvSpPr>
+        <p:spPr>
+          <a:xfrm>
+            <a:off x="685800" y="4400550"/>
+            <a:ext cx="5486400" cy="3600450"/>
+          </a:xfrm>
+          <a:prstGeom prst="rect">
+            <a:avLst/>
+          </a:prstGeom>
+        </p:spPr>
+        <p:txBody>
+          <a:bodyPr vert="horz" lIns="91440" tIns="45720" rIns="91440" bIns="45720" rtlCol="0"/>
+          <a:lstStyle/>
+          <a:p>
+            <a:pPr lvl="0"/>
+            <a:r>
+              <a:rPr lang="en-US" smtClean="0"/>
+              <a:t>Click to edit Master text styles</a:t>
+            </a:r>
+          </a:p>
+          <a:p>
+            <a:pPr lvl="1"/>
+            <a:r>
+              <a:rPr lang="en-US" smtClean="0"/>
+              <a:t>Second level</a:t>
+            </a:r>
+          </a:p>
+          <a:p>
+            <a:pPr lvl="2"/>
+            <a:r>
+              <a:rPr lang="en-US" smtClean="0"/>
+              <a:t>Third level</a:t>
+            </a:r>
+          </a:p>
+          <a:p>
+            <a:pPr lvl="3"/>
+            <a:r>
+              <a:rPr lang="en-US" smtClean="0"/>
+              <a:t>Fourth level</a:t>
+            </a:r>
+          </a:p>
+          <a:p>
+            <a:pPr lvl="4"/>
+            <a:r>
+              <a:rPr lang="en-US" smtClean="0"/>
+              <a:t>Fifth level</a:t>
+            </a:r>
+            <a:endParaRPr lang="en-US"/>
+          </a:p>
+        </p:txBody>
+      </p:sp>
+      <p:sp>
+        <p:nvSpPr>
+          <p:cNvPr id="6" name="Footer Placeholder 5"/>
+          <p:cNvSpPr>
+            <a:spLocks noGrp="1"/>
+          </p:cNvSpPr>
+          <p:nvPr>
+            <p:ph type="ftr" sz="quarter" idx="4"/>
+          </p:nvPr>
+        </p:nvSpPr>
+        <p:spPr>
+          <a:xfrm>
+            <a:off x="0" y="8685213"/>
+            <a:ext cx="2971800" cy="458787"/>
+          </a:xfrm>
+          <a:prstGeom prst="rect">
+            <a:avLst/>
+          </a:prstGeom>
+        </p:spPr>
+        <p:txBody>
+          <a:bodyPr vert="horz" lIns="91440" tIns="45720" rIns="91440" bIns="45720" rtlCol="0" anchor="b"/>
+          <a:lstStyle>
+            <a:lvl1pPr algn="l">
+              <a:defRPr sz="1200"/>
+            </a:lvl1pPr>
+          </a:lstStyle>
+          <a:p>
+            <a:endParaRPr lang="en-US"/>
+          </a:p>
+        </p:txBody>
+      </p:sp>
+      <p:sp>
+        <p:nvSpPr>
+          <p:cNvPr id="7" name="Slide Number Placeholder 6"/>
+          <p:cNvSpPr>
+            <a:spLocks noGrp="1"/>
+          </p:cNvSpPr>
+          <p:nvPr>
+            <p:ph type="sldNum" sz="quarter" idx="5"/>
+          </p:nvPr>
+        </p:nvSpPr>
+        <p:spPr>
+          <a:xfrm>
+            <a:off x="3884613" y="8685213"/>
+            <a:ext cx="2971800" cy="458787"/>
+          </a:xfrm>
+          <a:prstGeom prst="rect">
+            <a:avLst/>
+          </a:prstGeom>
+        </p:spPr>
+        <p:txBody>
+          <a:bodyPr vert="horz" lIns="91440" tIns="45720" rIns="91440" bIns="45720" rtlCol="0" anchor="b"/>
+          <a:lstStyle>
+            <a:lvl1pPr algn="r">
+              <a:defRPr sz="1200"/>
+            </a:lvl1pPr>
+          </a:lstStyle>
+          <a:p>
+            <a:fld id="{41A8A208-B538-A443-8AF9-C74EC34A4FD4}" type="slidenum">
+              <a:rPr lang="en-US" smtClean="0"/>
+              <a:t>‹#›</a:t>
+            </a:fld>
+            <a:endParaRPr lang="en-US"/>
+          </a:p>
+        </p:txBody>
+      </p:sp>
+    </p:spTree>
+    <p:extLst>
+      <p:ext uri="{BB962C8B-B14F-4D97-AF65-F5344CB8AC3E}">
+        <p14:creationId xmlns:p14="http://schemas.microsoft.com/office/powerpoint/2010/main" val="1000957007"/>
+      </p:ext>
+    </p:extLst>
+  </p:cSld>
+  <p:clrMap bg1="lt1" tx1="dk1" bg2="lt2" tx2="dk2" accent1="accent1" accent2="accent2" accent3="accent3" accent4="accent4" accent5="accent5" accent6="accent6" hlink="hlink" folHlink="folHlink"/>
+  <p:notesStyle>
+    <a:lvl1pPr marL="0" algn="l" defTabSz="914400" rtl="0" eaLnBrk="1" latinLnBrk="0" hangingPunct="1">
+      <a:defRPr sz="1200" kern="1200">
+        <a:solidFill>
+          <a:schemeClr val="tx1"/>
+        </a:solidFill>
+        <a:latin typeface="+mn-lt"/>
+        <a:ea typeface="+mn-ea"/>
+        <a:cs typeface="+mn-cs"/>
+      </a:defRPr>
+    </a:lvl1pPr>
+    <a:lvl2pPr marL="457200" algn="l" defTabSz="914400" rtl="0" eaLnBrk="1" latinLnBrk="0" hangingPunct="1">
+      <a:defRPr sz="1200" kern="1200">
+        <a:solidFill>
+          <a:schemeClr val="tx1"/>
+        </a:solidFill>
+        <a:latin typeface="+mn-lt"/>
+        <a:ea typeface="+mn-ea"/>
+        <a:cs typeface="+mn-cs"/>
+      </a:defRPr>
+    </a:lvl2pPr>
+    <a:lvl3pPr marL="914400" algn="l" defTabSz="914400" rtl="0" eaLnBrk="1" latinLnBrk="0" hangingPunct="1">
+      <a:defRPr sz="1200" kern="1200">
+        <a:solidFill>
+          <a:schemeClr val="tx1"/>
+        </a:solidFill>
+        <a:latin typeface="+mn-lt"/>
+        <a:ea typeface="+mn-ea"/>
+        <a:cs typeface="+mn-cs"/>
+      </a:defRPr>
+    </a:lvl3pPr>
+    <a:lvl4pPr marL="1371600" algn="l" defTabSz="914400" rtl="0" eaLnBrk="1" latinLnBrk="0" hangingPunct="1">
+      <a:defRPr sz="1200" kern="1200">
+        <a:solidFill>
+          <a:schemeClr val="tx1"/>
+        </a:solidFill>
+        <a:latin typeface="+mn-lt"/>
+        <a:ea typeface="+mn-ea"/>
+        <a:cs typeface="+mn-cs"/>
+      </a:defRPr>
+    </a:lvl4pPr>
+    <a:lvl5pPr marL="1828800" algn="l" defTabSz="914400" rtl="0" eaLnBrk="1" latinLnBrk="0" hangingPunct="1">
+      <a:defRPr sz="1200" kern="1200">
+        <a:solidFill>
+          <a:schemeClr val="tx1"/>
+        </a:solidFill>
+        <a:latin typeface="+mn-lt"/>
+        <a:ea typeface="+mn-ea"/>
+        <a:cs typeface="+mn-cs"/>
+      </a:defRPr>
+    </a:lvl5pPr>
+    <a:lvl6pPr marL="2286000" algn="l" defTabSz="914400" rtl="0" eaLnBrk="1" latinLnBrk="0" hangingPunct="1">
+      <a:defRPr sz="1200" kern="1200">
+        <a:solidFill>
+          <a:schemeClr val="tx1"/>
+        </a:solidFill>
+        <a:latin typeface="+mn-lt"/>
+        <a:ea typeface="+mn-ea"/>
+        <a:cs typeface="+mn-cs"/>
+      </a:defRPr>
+    </a:lvl6pPr>
+    <a:lvl7pPr marL="2743200" algn="l" defTabSz="914400" rtl="0" eaLnBrk="1" latinLnBrk="0" hangingPunct="1">
+      <a:defRPr sz="1200" kern="1200">
+        <a:solidFill>
+          <a:schemeClr val="tx1"/>
+        </a:solidFill>
+        <a:latin typeface="+mn-lt"/>
+        <a:ea typeface="+mn-ea"/>
+        <a:cs typeface="+mn-cs"/>
+      </a:defRPr>
+    </a:lvl7pPr>
+    <a:lvl8pPr marL="3200400" algn="l" defTabSz="914400" rtl="0" eaLnBrk="1" latinLnBrk="0" hangingPunct="1">
+      <a:defRPr sz="1200" kern="1200">
+        <a:solidFill>
+          <a:schemeClr val="tx1"/>
+        </a:solidFill>
+        <a:latin typeface="+mn-lt"/>
+        <a:ea typeface="+mn-ea"/>
+        <a:cs typeface="+mn-cs"/>
+      </a:defRPr>
+    </a:lvl8pPr>
+    <a:lvl9pPr marL="3657600" algn="l" defTabSz="914400" rtl="0" eaLnBrk="1" latinLnBrk="0" hangingPunct="1">
+      <a:defRPr sz="1200" kern="1200">
+        <a:solidFill>
+          <a:schemeClr val="tx1"/>
+        </a:solidFill>
+        <a:latin typeface="+mn-lt"/>
+        <a:ea typeface="+mn-ea"/>
+        <a:cs typeface="+mn-cs"/>
+      </a:defRPr>
+    </a:lvl9pPr>
+  </p:notesStyle>
+</p:notesMaster>
+</file>
+
+<file path=ppt/notesSlides/notesSlide1.xml><?xml version="1.0" encoding="utf-8"?>
+<p:notes xmlns:a="http://schemas.openxmlformats.org/drawingml/2006/main" xmlns:r="http://schemas.openxmlformats.org/officeDocument/2006/relationships" xmlns:p="http://schemas.openxmlformats.org/presentationml/2006/main">
+  <p:cSld>
+    <p:spTree>
+      <p:nvGrpSpPr>
+        <p:cNvPr id="1" name=""/>
+        <p:cNvGrpSpPr/>
+        <p:nvPr/>
+      </p:nvGrpSpPr>
+      <p:grpSpPr>
+        <a:xfrm>
+          <a:off x="0" y="0"/>
+          <a:ext cx="0" cy="0"/>
+          <a:chOff x="0" y="0"/>
+          <a:chExt cx="0" cy="0"/>
+        </a:xfrm>
+      </p:grpSpPr>
+      <p:sp>
+        <p:nvSpPr>
+          <p:cNvPr id="2" name="Slide Image Placeholder 1"/>
+          <p:cNvSpPr>
+            <a:spLocks noGrp="1" noRot="1" noChangeAspect="1"/>
+          </p:cNvSpPr>
+          <p:nvPr>
+            <p:ph type="sldImg"/>
+          </p:nvPr>
+        </p:nvSpPr>
+        <p:spPr/>
+      </p:sp>
+      <p:sp>
+        <p:nvSpPr>
+          <p:cNvPr id="3" name="Notes Placeholder 2"/>
+          <p:cNvSpPr>
+            <a:spLocks noGrp="1"/>
+          </p:cNvSpPr>
+          <p:nvPr>
+            <p:ph type="body" idx="1"/>
+          </p:nvPr>
+        </p:nvSpPr>
+        <p:spPr/>
+        <p:txBody>
+          <a:bodyPr/>
+          <a:lstStyle/>
+          <a:p>
+            <a:endParaRPr lang="en-US" dirty="0"/>
+          </a:p>
+        </p:txBody>
+      </p:sp>
+      <p:sp>
+        <p:nvSpPr>
+          <p:cNvPr id="4" name="Slide Number Placeholder 3"/>
+          <p:cNvSpPr>
+            <a:spLocks noGrp="1"/>
+          </p:cNvSpPr>
+          <p:nvPr>
+            <p:ph type="sldNum" sz="quarter" idx="10"/>
+          </p:nvPr>
+        </p:nvSpPr>
+        <p:spPr/>
+        <p:txBody>
+          <a:bodyPr/>
+          <a:lstStyle/>
+          <a:p>
+            <a:fld id="{41A8A208-B538-A443-8AF9-C74EC34A4FD4}" type="slidenum">
+              <a:rPr lang="en-US" smtClean="0"/>
+              <a:t>5</a:t>
+            </a:fld>
+            <a:endParaRPr lang="en-US"/>
+          </a:p>
+        </p:txBody>
+      </p:sp>
+    </p:spTree>
+    <p:extLst>
+      <p:ext uri="{BB962C8B-B14F-4D97-AF65-F5344CB8AC3E}">
+        <p14:creationId xmlns:p14="http://schemas.microsoft.com/office/powerpoint/2010/main" val="1845009698"/>
+      </p:ext>
+    </p:extLst>
+  </p:cSld>
+  <p:clrMapOvr>
+    <a:masterClrMapping/>
+  </p:clrMapOvr>
+</p:notes>
 </file>
 
 <file path=ppt/slideLayouts/slideLayout1.xml><?xml version="1.0" encoding="utf-8"?>
@@ -240,7 +685,7 @@
           <a:p>
             <a:fld id="{427398EE-C0D4-CA46-A9A1-0E3BFBD04E5F}" type="datetimeFigureOut">
               <a:rPr lang="en-US" smtClean="0"/>
-              <a:t>5/27/20</a:t>
+              <a:t>5/30/20</a:t>
             </a:fld>
             <a:endParaRPr lang="en-US"/>
           </a:p>
@@ -323,14 +768,14 @@
           </a:ln>
           <a:extLst>
             <a:ext uri="{909E8E84-426E-40dd-AFC4-6F175D3DCCD1}">
-              <a14:hiddenFill xmlns="" xmlns:a14="http://schemas.microsoft.com/office/drawing/2010/main">
+              <a14:hiddenFill xmlns:a14="http://schemas.microsoft.com/office/drawing/2010/main" xmlns="">
                 <a:solidFill>
                   <a:srgbClr val="FFFFFF"/>
                 </a:solidFill>
               </a14:hiddenFill>
             </a:ext>
             <a:ext uri="{91240B29-F687-4f45-9708-019B960494DF}">
-              <a14:hiddenLine xmlns="" xmlns:a14="http://schemas.microsoft.com/office/drawing/2010/main" w="9525">
+              <a14:hiddenLine xmlns:a14="http://schemas.microsoft.com/office/drawing/2010/main" xmlns="" w="9525">
                 <a:solidFill>
                   <a:srgbClr val="000000"/>
                 </a:solidFill>
@@ -520,7 +965,7 @@
           <a:p>
             <a:fld id="{427398EE-C0D4-CA46-A9A1-0E3BFBD04E5F}" type="datetimeFigureOut">
               <a:rPr lang="en-US" smtClean="0"/>
-              <a:t>5/27/20</a:t>
+              <a:t>5/30/20</a:t>
             </a:fld>
             <a:endParaRPr lang="en-US"/>
           </a:p>
@@ -700,7 +1145,7 @@
           <a:p>
             <a:fld id="{427398EE-C0D4-CA46-A9A1-0E3BFBD04E5F}" type="datetimeFigureOut">
               <a:rPr lang="en-US" smtClean="0"/>
-              <a:t>5/27/20</a:t>
+              <a:t>5/30/20</a:t>
             </a:fld>
             <a:endParaRPr lang="en-US"/>
           </a:p>
@@ -870,7 +1315,7 @@
           <a:p>
             <a:fld id="{427398EE-C0D4-CA46-A9A1-0E3BFBD04E5F}" type="datetimeFigureOut">
               <a:rPr lang="en-US" smtClean="0"/>
-              <a:t>5/27/20</a:t>
+              <a:t>5/30/20</a:t>
             </a:fld>
             <a:endParaRPr lang="en-US"/>
           </a:p>
@@ -1116,7 +1561,7 @@
           <a:p>
             <a:fld id="{427398EE-C0D4-CA46-A9A1-0E3BFBD04E5F}" type="datetimeFigureOut">
               <a:rPr lang="en-US" smtClean="0"/>
-              <a:t>5/27/20</a:t>
+              <a:t>5/30/20</a:t>
             </a:fld>
             <a:endParaRPr lang="en-US"/>
           </a:p>
@@ -1348,7 +1793,7 @@
           <a:p>
             <a:fld id="{427398EE-C0D4-CA46-A9A1-0E3BFBD04E5F}" type="datetimeFigureOut">
               <a:rPr lang="en-US" smtClean="0"/>
-              <a:t>5/27/20</a:t>
+              <a:t>5/30/20</a:t>
             </a:fld>
             <a:endParaRPr lang="en-US"/>
           </a:p>
@@ -1715,7 +2160,7 @@
           <a:p>
             <a:fld id="{427398EE-C0D4-CA46-A9A1-0E3BFBD04E5F}" type="datetimeFigureOut">
               <a:rPr lang="en-US" smtClean="0"/>
-              <a:t>5/27/20</a:t>
+              <a:t>5/30/20</a:t>
             </a:fld>
             <a:endParaRPr lang="en-US"/>
           </a:p>
@@ -1833,7 +2278,7 @@
           <a:p>
             <a:fld id="{427398EE-C0D4-CA46-A9A1-0E3BFBD04E5F}" type="datetimeFigureOut">
               <a:rPr lang="en-US" smtClean="0"/>
-              <a:t>5/27/20</a:t>
+              <a:t>5/30/20</a:t>
             </a:fld>
             <a:endParaRPr lang="en-US"/>
           </a:p>
@@ -1928,7 +2373,7 @@
           <a:p>
             <a:fld id="{427398EE-C0D4-CA46-A9A1-0E3BFBD04E5F}" type="datetimeFigureOut">
               <a:rPr lang="en-US" smtClean="0"/>
-              <a:t>5/27/20</a:t>
+              <a:t>5/30/20</a:t>
             </a:fld>
             <a:endParaRPr lang="en-US"/>
           </a:p>
@@ -2205,7 +2650,7 @@
           <a:p>
             <a:fld id="{427398EE-C0D4-CA46-A9A1-0E3BFBD04E5F}" type="datetimeFigureOut">
               <a:rPr lang="en-US" smtClean="0"/>
-              <a:t>5/27/20</a:t>
+              <a:t>5/30/20</a:t>
             </a:fld>
             <a:endParaRPr lang="en-US"/>
           </a:p>
@@ -2462,7 +2907,7 @@
           <a:p>
             <a:fld id="{427398EE-C0D4-CA46-A9A1-0E3BFBD04E5F}" type="datetimeFigureOut">
               <a:rPr lang="en-US" smtClean="0"/>
-              <a:t>5/27/20</a:t>
+              <a:t>5/30/20</a:t>
             </a:fld>
             <a:endParaRPr lang="en-US"/>
           </a:p>
@@ -2675,7 +3120,7 @@
           <a:p>
             <a:fld id="{427398EE-C0D4-CA46-A9A1-0E3BFBD04E5F}" type="datetimeFigureOut">
               <a:rPr lang="en-US" smtClean="0"/>
-              <a:t>5/27/20</a:t>
+              <a:t>5/30/20</a:t>
             </a:fld>
             <a:endParaRPr lang="en-US"/>
           </a:p>
@@ -3105,7 +3550,11 @@
           <a:p>
             <a:r>
               <a:rPr lang="en-US" dirty="0" smtClean="0"/>
-              <a:t>Metal or Reggae</a:t>
+              <a:t>Metal or </a:t>
+            </a:r>
+            <a:r>
+              <a:rPr lang="en-US" dirty="0" smtClean="0"/>
+              <a:t>Not?</a:t>
             </a:r>
             <a:endParaRPr lang="en-US" dirty="0"/>
           </a:p>
@@ -3141,8 +3590,13 @@
           <a:p>
             <a:r>
               <a:rPr lang="en-US" sz="2200" i="1" dirty="0" smtClean="0"/>
-              <a:t>Building a model to classify if song lyrics are of the metal or reggae genre</a:t>
-            </a:r>
+              <a:t>Building a model to classify if song lyrics are of the metal </a:t>
+            </a:r>
+            <a:r>
+              <a:rPr lang="en-US" sz="2200" i="1" dirty="0" smtClean="0"/>
+              <a:t>genre or not?</a:t>
+            </a:r>
+            <a:endParaRPr lang="en-US" sz="2200" i="1" dirty="0" smtClean="0"/>
           </a:p>
           <a:p>
             <a:r>
@@ -3172,7 +3626,7 @@
         </p:nvPicPr>
         <p:blipFill>
           <a:blip r:embed="rId3">
-            <a:alphaModFix amt="17000"/>
+            <a:alphaModFix amt="10000"/>
             <a:extLst>
               <a:ext uri="{28A0092B-C50C-407E-A947-70E740481C1C}">
                 <a14:useLocalDpi xmlns:a14="http://schemas.microsoft.com/office/drawing/2010/main" val="0"/>
@@ -3185,39 +3639,8 @@
         </p:blipFill>
         <p:spPr>
           <a:xfrm>
-            <a:off x="219456" y="1347001"/>
+            <a:off x="614938" y="1347001"/>
             <a:ext cx="5149791" cy="5510999"/>
-          </a:xfrm>
-          <a:prstGeom prst="rect">
-            <a:avLst/>
-          </a:prstGeom>
-        </p:spPr>
-      </p:pic>
-      <p:pic>
-        <p:nvPicPr>
-          <p:cNvPr id="6" name="Picture 5"/>
-          <p:cNvPicPr>
-            <a:picLocks noChangeAspect="1"/>
-          </p:cNvPicPr>
-          <p:nvPr/>
-        </p:nvPicPr>
-        <p:blipFill>
-          <a:blip r:embed="rId4">
-            <a:alphaModFix amt="20000"/>
-            <a:extLst>
-              <a:ext uri="{28A0092B-C50C-407E-A947-70E740481C1C}">
-                <a14:useLocalDpi xmlns:a14="http://schemas.microsoft.com/office/drawing/2010/main" val="0"/>
-              </a:ext>
-            </a:extLst>
-          </a:blip>
-          <a:stretch>
-            <a:fillRect/>
-          </a:stretch>
-        </p:blipFill>
-        <p:spPr>
-          <a:xfrm>
-            <a:off x="6095999" y="1347000"/>
-            <a:ext cx="5673903" cy="5510999"/>
           </a:xfrm>
           <a:prstGeom prst="rect">
             <a:avLst/>
@@ -3266,7 +3689,7 @@
         </p:nvPicPr>
         <p:blipFill>
           <a:blip r:embed="rId2">
-            <a:alphaModFix amt="17000"/>
+            <a:alphaModFix amt="6000"/>
             <a:extLst>
               <a:ext uri="{28A0092B-C50C-407E-A947-70E740481C1C}">
                 <a14:useLocalDpi xmlns:a14="http://schemas.microsoft.com/office/drawing/2010/main" val="0"/>
@@ -3309,7 +3732,11 @@
             <a:pPr algn="ctr"/>
             <a:r>
               <a:rPr lang="en-US" dirty="0" smtClean="0"/>
-              <a:t>The Question</a:t>
+              <a:t>The </a:t>
+            </a:r>
+            <a:r>
+              <a:rPr lang="en-US" dirty="0" smtClean="0"/>
+              <a:t>Question and Goal</a:t>
             </a:r>
             <a:endParaRPr lang="en-US" dirty="0"/>
           </a:p>
@@ -3323,29 +3750,45 @@
         </p:nvSpPr>
         <p:spPr>
           <a:xfrm>
-            <a:off x="1755648" y="2194560"/>
-            <a:ext cx="4864608" cy="2246769"/>
+            <a:off x="1755648" y="2235200"/>
+            <a:ext cx="9156192" cy="3970318"/>
           </a:xfrm>
           <a:prstGeom prst="rect">
             <a:avLst/>
           </a:prstGeom>
-          <a:solidFill>
-            <a:schemeClr val="bg1"/>
-          </a:solidFill>
+          <a:noFill/>
         </p:spPr>
         <p:txBody>
           <a:bodyPr wrap="square" rtlCol="0">
             <a:spAutoFit/>
           </a:bodyPr>
           <a:lstStyle/>
+          <a:p>
+            <a:r>
+              <a:rPr lang="en-US" sz="2800" b="1" dirty="0" smtClean="0"/>
+              <a:t>Fact: </a:t>
+            </a:r>
+            <a:r>
+              <a:rPr lang="en-US" sz="2800" dirty="0" smtClean="0"/>
+              <a:t>You may have noticed that lyrics of songs from different genres of music tend to focus on different topics. </a:t>
+            </a:r>
+            <a:endParaRPr lang="en-US" sz="2800" dirty="0" smtClean="0"/>
+          </a:p>
           <a:p>
             <a:pPr marL="285750" indent="-285750">
               <a:buFont typeface="Arial" charset="0"/>
               <a:buChar char="•"/>
             </a:pPr>
-            <a:r>
-              <a:rPr lang="en-US" sz="2800" dirty="0" err="1" smtClean="0"/>
-              <a:t>jlkdjdklfjkldjkldjkld;kklk</a:t>
+            <a:endParaRPr lang="en-US" sz="2800" dirty="0" smtClean="0"/>
+          </a:p>
+          <a:p>
+            <a:r>
+              <a:rPr lang="en-US" sz="2800" b="1" dirty="0" smtClean="0"/>
+              <a:t>Question:</a:t>
+            </a:r>
+            <a:r>
+              <a:rPr lang="en-US" sz="2800" dirty="0" smtClean="0"/>
+              <a:t> When you think of reggae music what common words come to mind? What about when you think of heavy metal?</a:t>
             </a:r>
             <a:endParaRPr lang="en-US" sz="2800" dirty="0" smtClean="0"/>
           </a:p>
@@ -3354,31 +3797,16 @@
               <a:buFont typeface="Arial" charset="0"/>
               <a:buChar char="•"/>
             </a:pPr>
-            <a:r>
-              <a:rPr lang="en-US" sz="2800" dirty="0" err="1" smtClean="0"/>
-              <a:t>jfkdsfheuifheuwincdnio</a:t>
-            </a:r>
             <a:endParaRPr lang="en-US" sz="2800" dirty="0" smtClean="0"/>
           </a:p>
           <a:p>
-            <a:pPr marL="285750" indent="-285750">
-              <a:buFont typeface="Arial" charset="0"/>
-              <a:buChar char="•"/>
-            </a:pPr>
-            <a:r>
-              <a:rPr lang="en-US" sz="2800" dirty="0" err="1" smtClean="0"/>
-              <a:t>njknjlknk</a:t>
-            </a:r>
-            <a:endParaRPr lang="en-US" sz="2800" dirty="0" smtClean="0"/>
-          </a:p>
-          <a:p>
-            <a:pPr marL="285750" indent="-285750">
-              <a:buFont typeface="Arial" charset="0"/>
-              <a:buChar char="•"/>
-            </a:pPr>
-            <a:r>
-              <a:rPr lang="en-US" sz="2800" dirty="0" err="1" smtClean="0"/>
-              <a:t>bhjkbjhkb</a:t>
+            <a:r>
+              <a:rPr lang="en-US" sz="2800" b="1" dirty="0" smtClean="0"/>
+              <a:t>Goal:</a:t>
+            </a:r>
+            <a:r>
+              <a:rPr lang="en-US" sz="2800" dirty="0" smtClean="0"/>
+              <a:t> Create a classifier to distinguish song lyrics by genre.</a:t>
             </a:r>
             <a:endParaRPr lang="en-US" sz="2800" dirty="0" smtClean="0"/>
           </a:p>
@@ -3431,7 +3859,7 @@
         </p:nvPicPr>
         <p:blipFill>
           <a:blip r:embed="rId2">
-            <a:alphaModFix amt="17000"/>
+            <a:alphaModFix amt="6000"/>
           </a:blip>
           <a:stretch>
             <a:fillRect/>
@@ -3439,7 +3867,7 @@
         </p:blipFill>
         <p:spPr>
           <a:xfrm>
-            <a:off x="900069" y="0"/>
+            <a:off x="838200" y="0"/>
             <a:ext cx="10391862" cy="6858000"/>
           </a:xfrm>
           <a:prstGeom prst="rect">
@@ -3464,7 +3892,7 @@
           <a:p>
             <a:r>
               <a:rPr lang="en-US" dirty="0" smtClean="0"/>
-              <a:t>Data</a:t>
+              <a:t>Methods</a:t>
             </a:r>
             <a:endParaRPr lang="en-US" dirty="0"/>
           </a:p>
@@ -3482,37 +3910,139 @@
         </p:nvSpPr>
         <p:spPr/>
         <p:txBody>
-          <a:bodyPr/>
-          <a:lstStyle/>
-          <a:p>
+          <a:bodyPr>
+            <a:normAutofit/>
+          </a:bodyPr>
+          <a:lstStyle/>
+          <a:p>
+            <a:pPr marL="0" indent="0">
+              <a:buNone/>
+            </a:pPr>
+            <a:r>
+              <a:rPr lang="en-US" dirty="0" smtClean="0"/>
+              <a:t>We downloaded 2 lyrics datasets from </a:t>
+            </a:r>
             <a:r>
               <a:rPr lang="en-US" dirty="0" err="1" smtClean="0"/>
-              <a:t>klnfjklkllkljlkl</a:t>
+              <a:t>kaggle.com</a:t>
             </a:r>
             <a:r>
               <a:rPr lang="en-US" dirty="0" smtClean="0"/>
-              <a:t>’;</a:t>
-            </a:r>
+              <a:t>:</a:t>
+            </a:r>
+          </a:p>
+          <a:p>
+            <a:pPr lvl="1"/>
+            <a:r>
+              <a:rPr lang="en-US" dirty="0" smtClean="0"/>
+              <a:t>Large Metal Lyrics Archive (228000 </a:t>
+            </a:r>
+            <a:r>
+              <a:rPr lang="en-US" dirty="0"/>
+              <a:t>songs scraped </a:t>
+            </a:r>
+            <a:r>
+              <a:rPr lang="en-US" dirty="0" smtClean="0"/>
+              <a:t>from </a:t>
+            </a:r>
+            <a:r>
+              <a:rPr lang="en-US" dirty="0" smtClean="0">
+                <a:hlinkClick r:id="rId3"/>
+              </a:rPr>
+              <a:t>http</a:t>
+            </a:r>
+            <a:r>
+              <a:rPr lang="en-US" dirty="0">
+                <a:hlinkClick r:id="rId3"/>
+              </a:rPr>
+              <a:t>://</a:t>
+            </a:r>
+            <a:r>
+              <a:rPr lang="en-US" dirty="0" smtClean="0">
+                <a:hlinkClick r:id="rId3"/>
+              </a:rPr>
+              <a:t>www.darklyrics.com</a:t>
+            </a:r>
+            <a:r>
+              <a:rPr lang="en-US" dirty="0" smtClean="0"/>
+              <a:t>)</a:t>
+            </a:r>
+          </a:p>
+          <a:p>
+            <a:pPr lvl="1"/>
             <a:r>
               <a:rPr lang="en-US" dirty="0" err="1" smtClean="0"/>
-              <a:t>kl;s’cml</a:t>
-            </a:r>
-            <a:endParaRPr lang="en-US" dirty="0"/>
-          </a:p>
-          <a:p>
+              <a:t>AZLyrics</a:t>
+            </a:r>
+            <a:r>
+              <a:rPr lang="en-US" dirty="0" smtClean="0"/>
+              <a:t> song lyrics (147000 songs scraped from </a:t>
+            </a:r>
+            <a:r>
+              <a:rPr lang="en-US" dirty="0" smtClean="0">
+                <a:hlinkClick r:id="rId4"/>
+              </a:rPr>
+              <a:t>http://www.azlyrics.com</a:t>
+            </a:r>
+            <a:r>
+              <a:rPr lang="en-US" dirty="0" smtClean="0">
+                <a:hlinkClick r:id="rId4"/>
+              </a:rPr>
+              <a:t>)</a:t>
+            </a:r>
+            <a:endParaRPr lang="en-US" dirty="0" smtClean="0"/>
+          </a:p>
+          <a:p>
+            <a:pPr marL="0" indent="0">
+              <a:buNone/>
+            </a:pPr>
+            <a:r>
+              <a:rPr lang="en-US" b="1" dirty="0" smtClean="0"/>
+              <a:t>Neural Net: </a:t>
+            </a:r>
+            <a:r>
+              <a:rPr lang="en-US" dirty="0" smtClean="0"/>
+              <a:t>We used the Word2Vec neural network to embed individual words into 150-dimensional points in space then cluster them according to their semantic similarity.</a:t>
+            </a:r>
+          </a:p>
+          <a:p>
+            <a:pPr marL="0" indent="0">
+              <a:buNone/>
+            </a:pPr>
+            <a:r>
+              <a:rPr lang="en-US" b="1" dirty="0"/>
+              <a:t>Supervised Learning: </a:t>
+            </a:r>
+            <a:r>
+              <a:rPr lang="en-US" dirty="0"/>
+              <a:t>We trained a sentiment classification model using the </a:t>
+            </a:r>
             <a:r>
               <a:rPr lang="en-US" dirty="0" err="1" smtClean="0"/>
-              <a:t>dkl</a:t>
+              <a:t>DecisionTreeClassifier</a:t>
             </a:r>
             <a:r>
               <a:rPr lang="en-US" dirty="0" smtClean="0"/>
-              <a:t>;;</a:t>
+              <a:t> from </a:t>
             </a:r>
             <a:r>
               <a:rPr lang="en-US" dirty="0" err="1" smtClean="0"/>
-              <a:t>fkmkcds;cmdkmdkcmsk;sk</a:t>
-            </a:r>
-            <a:endParaRPr lang="en-US" dirty="0"/>
+              <a:t>sklearn</a:t>
+            </a:r>
+            <a:r>
+              <a:rPr lang="en-US" dirty="0" smtClean="0"/>
+              <a:t> </a:t>
+            </a:r>
+            <a:r>
+              <a:rPr lang="en-US" dirty="0"/>
+              <a:t>and Word2Vec vectors. </a:t>
+            </a:r>
+          </a:p>
+          <a:p>
+            <a:pPr marL="0" indent="0">
+              <a:buNone/>
+            </a:pPr>
+            <a:endParaRPr lang="en-US" dirty="0" smtClean="0"/>
           </a:p>
         </p:txBody>
       </p:sp>
@@ -3520,6 +4050,339 @@
     <p:extLst>
       <p:ext uri="{BB962C8B-B14F-4D97-AF65-F5344CB8AC3E}">
         <p14:creationId xmlns:p14="http://schemas.microsoft.com/office/powerpoint/2010/main" val="1685055265"/>
+      </p:ext>
+    </p:extLst>
+  </p:cSld>
+  <p:clrMapOvr>
+    <a:masterClrMapping/>
+  </p:clrMapOvr>
+</p:sld>
+</file>
+
+<file path=ppt/slides/slide4.xml><?xml version="1.0" encoding="utf-8"?>
+<p:sld xmlns:a="http://schemas.openxmlformats.org/drawingml/2006/main" xmlns:r="http://schemas.openxmlformats.org/officeDocument/2006/relationships" xmlns:p="http://schemas.openxmlformats.org/presentationml/2006/main">
+  <p:cSld>
+    <p:spTree>
+      <p:nvGrpSpPr>
+        <p:cNvPr id="1" name=""/>
+        <p:cNvGrpSpPr/>
+        <p:nvPr/>
+      </p:nvGrpSpPr>
+      <p:grpSpPr>
+        <a:xfrm>
+          <a:off x="0" y="0"/>
+          <a:ext cx="0" cy="0"/>
+          <a:chOff x="0" y="0"/>
+          <a:chExt cx="0" cy="0"/>
+        </a:xfrm>
+      </p:grpSpPr>
+      <p:sp>
+        <p:nvSpPr>
+          <p:cNvPr id="2" name="Title 1"/>
+          <p:cNvSpPr>
+            <a:spLocks noGrp="1"/>
+          </p:cNvSpPr>
+          <p:nvPr>
+            <p:ph type="title"/>
+          </p:nvPr>
+        </p:nvSpPr>
+        <p:spPr/>
+        <p:txBody>
+          <a:bodyPr/>
+          <a:lstStyle/>
+          <a:p>
+            <a:pPr algn="ctr"/>
+            <a:r>
+              <a:rPr lang="en-US" dirty="0" smtClean="0"/>
+              <a:t>Results and Challenges</a:t>
+            </a:r>
+            <a:endParaRPr lang="en-US" dirty="0"/>
+          </a:p>
+        </p:txBody>
+      </p:sp>
+      <p:sp>
+        <p:nvSpPr>
+          <p:cNvPr id="3" name="Content Placeholder 2"/>
+          <p:cNvSpPr>
+            <a:spLocks noGrp="1"/>
+          </p:cNvSpPr>
+          <p:nvPr>
+            <p:ph idx="1"/>
+          </p:nvPr>
+        </p:nvSpPr>
+        <p:spPr/>
+        <p:txBody>
+          <a:bodyPr/>
+          <a:lstStyle/>
+          <a:p>
+            <a:r>
+              <a:rPr lang="en-US" dirty="0" smtClean="0"/>
+              <a:t>The data required a lot of cleaning and trimming of files.</a:t>
+            </a:r>
+          </a:p>
+          <a:p>
+            <a:r>
+              <a:rPr lang="en-US" dirty="0" smtClean="0"/>
+              <a:t>We had to reduce the specificity of our claims because we did not have the time to find one specific genre for comparison to the metal lyrics.</a:t>
+            </a:r>
+          </a:p>
+          <a:p>
+            <a:r>
+              <a:rPr lang="en-US" dirty="0" smtClean="0"/>
+              <a:t>A large amount of data was necessary for training the Word2Vec in order to improve the accuracy of semantic clustering</a:t>
+            </a:r>
+          </a:p>
+          <a:p>
+            <a:r>
+              <a:rPr lang="en-US" dirty="0"/>
+              <a:t>We achieved % lyric classification accuracy by using </a:t>
+            </a:r>
+          </a:p>
+          <a:p>
+            <a:endParaRPr lang="en-US" dirty="0"/>
+          </a:p>
+        </p:txBody>
+      </p:sp>
+    </p:spTree>
+    <p:extLst>
+      <p:ext uri="{BB962C8B-B14F-4D97-AF65-F5344CB8AC3E}">
+        <p14:creationId xmlns:p14="http://schemas.microsoft.com/office/powerpoint/2010/main" val="399398064"/>
+      </p:ext>
+    </p:extLst>
+  </p:cSld>
+  <p:clrMapOvr>
+    <a:masterClrMapping/>
+  </p:clrMapOvr>
+</p:sld>
+</file>
+
+<file path=ppt/slides/slide5.xml><?xml version="1.0" encoding="utf-8"?>
+<p:sld xmlns:a="http://schemas.openxmlformats.org/drawingml/2006/main" xmlns:r="http://schemas.openxmlformats.org/officeDocument/2006/relationships" xmlns:p="http://schemas.openxmlformats.org/presentationml/2006/main">
+  <p:cSld>
+    <p:spTree>
+      <p:nvGrpSpPr>
+        <p:cNvPr id="1" name=""/>
+        <p:cNvGrpSpPr/>
+        <p:nvPr/>
+      </p:nvGrpSpPr>
+      <p:grpSpPr>
+        <a:xfrm>
+          <a:off x="0" y="0"/>
+          <a:ext cx="0" cy="0"/>
+          <a:chOff x="0" y="0"/>
+          <a:chExt cx="0" cy="0"/>
+        </a:xfrm>
+      </p:grpSpPr>
+      <p:sp>
+        <p:nvSpPr>
+          <p:cNvPr id="2" name="Title 1"/>
+          <p:cNvSpPr>
+            <a:spLocks noGrp="1"/>
+          </p:cNvSpPr>
+          <p:nvPr>
+            <p:ph type="title"/>
+          </p:nvPr>
+        </p:nvSpPr>
+        <p:spPr/>
+        <p:txBody>
+          <a:bodyPr/>
+          <a:lstStyle/>
+          <a:p>
+            <a:pPr algn="ctr"/>
+            <a:r>
+              <a:rPr lang="en-US" dirty="0" smtClean="0"/>
+              <a:t>Future Work</a:t>
+            </a:r>
+            <a:endParaRPr lang="en-US" dirty="0"/>
+          </a:p>
+        </p:txBody>
+      </p:sp>
+      <p:sp>
+        <p:nvSpPr>
+          <p:cNvPr id="3" name="Content Placeholder 2"/>
+          <p:cNvSpPr>
+            <a:spLocks noGrp="1"/>
+          </p:cNvSpPr>
+          <p:nvPr>
+            <p:ph idx="1"/>
+          </p:nvPr>
+        </p:nvSpPr>
+        <p:spPr/>
+        <p:txBody>
+          <a:bodyPr/>
+          <a:lstStyle/>
+          <a:p>
+            <a:pPr marL="0" indent="0">
+              <a:buNone/>
+            </a:pPr>
+            <a:r>
+              <a:rPr lang="en-US" dirty="0" smtClean="0"/>
+              <a:t>This project could be extended to compare lyrics from specific genres, which could be useful for categorizing music without having to analyze acoustic features.</a:t>
+            </a:r>
+          </a:p>
+          <a:p>
+            <a:pPr marL="0" indent="0">
+              <a:buNone/>
+            </a:pPr>
+            <a:endParaRPr lang="en-US" dirty="0"/>
+          </a:p>
+          <a:p>
+            <a:pPr marL="0" indent="0">
+              <a:buNone/>
+            </a:pPr>
+            <a:r>
+              <a:rPr lang="en-US" dirty="0" smtClean="0"/>
+              <a:t>Another potential extension of this project could be to determine the specific vocabulary of a musical genre and use that to help produce new song lyrics.</a:t>
+            </a:r>
+            <a:endParaRPr lang="en-US" dirty="0"/>
+          </a:p>
+        </p:txBody>
+      </p:sp>
+    </p:spTree>
+    <p:extLst>
+      <p:ext uri="{BB962C8B-B14F-4D97-AF65-F5344CB8AC3E}">
+        <p14:creationId xmlns:p14="http://schemas.microsoft.com/office/powerpoint/2010/main" val="358144425"/>
+      </p:ext>
+    </p:extLst>
+  </p:cSld>
+  <p:clrMapOvr>
+    <a:masterClrMapping/>
+  </p:clrMapOvr>
+</p:sld>
+</file>
+
+<file path=ppt/slides/slide6.xml><?xml version="1.0" encoding="utf-8"?>
+<p:sld xmlns:a="http://schemas.openxmlformats.org/drawingml/2006/main" xmlns:r="http://schemas.openxmlformats.org/officeDocument/2006/relationships" xmlns:p="http://schemas.openxmlformats.org/presentationml/2006/main">
+  <p:cSld>
+    <p:spTree>
+      <p:nvGrpSpPr>
+        <p:cNvPr id="1" name=""/>
+        <p:cNvGrpSpPr/>
+        <p:nvPr/>
+      </p:nvGrpSpPr>
+      <p:grpSpPr>
+        <a:xfrm>
+          <a:off x="0" y="0"/>
+          <a:ext cx="0" cy="0"/>
+          <a:chOff x="0" y="0"/>
+          <a:chExt cx="0" cy="0"/>
+        </a:xfrm>
+      </p:grpSpPr>
+      <p:sp>
+        <p:nvSpPr>
+          <p:cNvPr id="2" name="Title 1"/>
+          <p:cNvSpPr>
+            <a:spLocks noGrp="1"/>
+          </p:cNvSpPr>
+          <p:nvPr>
+            <p:ph type="title"/>
+          </p:nvPr>
+        </p:nvSpPr>
+        <p:spPr/>
+        <p:txBody>
+          <a:bodyPr/>
+          <a:lstStyle/>
+          <a:p>
+            <a:pPr algn="ctr"/>
+            <a:r>
+              <a:rPr lang="en-US" dirty="0" smtClean="0"/>
+              <a:t>Thank You!</a:t>
+            </a:r>
+            <a:endParaRPr lang="en-US" dirty="0"/>
+          </a:p>
+        </p:txBody>
+      </p:sp>
+      <p:sp>
+        <p:nvSpPr>
+          <p:cNvPr id="3" name="Content Placeholder 2"/>
+          <p:cNvSpPr>
+            <a:spLocks noGrp="1"/>
+          </p:cNvSpPr>
+          <p:nvPr>
+            <p:ph idx="1"/>
+          </p:nvPr>
+        </p:nvSpPr>
+        <p:spPr/>
+        <p:txBody>
+          <a:bodyPr/>
+          <a:lstStyle/>
+          <a:p>
+            <a:pPr marL="0" indent="0" algn="ctr">
+              <a:buNone/>
+            </a:pPr>
+            <a:r>
+              <a:rPr lang="en-US" sz="5000" dirty="0" smtClean="0"/>
+              <a:t>Team 3: </a:t>
+            </a:r>
+            <a:r>
+              <a:rPr lang="en-US" sz="5000" dirty="0" err="1" smtClean="0"/>
+              <a:t>Matelinguistica</a:t>
+            </a:r>
+            <a:endParaRPr lang="en-US" sz="5000" dirty="0" smtClean="0"/>
+          </a:p>
+          <a:p>
+            <a:pPr marL="0" indent="0" algn="ctr">
+              <a:buNone/>
+            </a:pPr>
+            <a:r>
+              <a:rPr lang="en-US" b="1" dirty="0">
+                <a:hlinkClick r:id="rId2"/>
+              </a:rPr>
+              <a:t>https://github.com/eileenblum/Music-Project</a:t>
+            </a:r>
+            <a:endParaRPr lang="en-US" b="1" dirty="0"/>
+          </a:p>
+          <a:p>
+            <a:pPr marL="0" indent="0">
+              <a:buNone/>
+            </a:pPr>
+            <a:endParaRPr lang="en-US" dirty="0" smtClean="0"/>
+          </a:p>
+          <a:p>
+            <a:pPr marL="0" indent="0">
+              <a:buNone/>
+            </a:pPr>
+            <a:r>
+              <a:rPr lang="en-US" dirty="0" smtClean="0"/>
+              <a:t>	Eileen Blum					Roberto Hernandez</a:t>
+            </a:r>
+          </a:p>
+          <a:p>
+            <a:pPr marL="0" indent="0">
+              <a:buNone/>
+            </a:pPr>
+            <a:r>
+              <a:rPr lang="en-US" dirty="0" smtClean="0">
+                <a:hlinkClick r:id="rId3"/>
+              </a:rPr>
+              <a:t>eileen.blum@rutgers.edu</a:t>
+            </a:r>
+            <a:r>
+              <a:rPr lang="en-US" smtClean="0"/>
+              <a:t>		</a:t>
+            </a:r>
+            <a:endParaRPr lang="en-US" dirty="0" smtClean="0"/>
+          </a:p>
+          <a:p>
+            <a:pPr marL="0" indent="0">
+              <a:buNone/>
+            </a:pPr>
+            <a:r>
+              <a:rPr lang="en-US" dirty="0"/>
+              <a:t> </a:t>
+            </a:r>
+            <a:r>
+              <a:rPr lang="en-US" dirty="0" smtClean="0"/>
+              <a:t>    Rutgers University			       The Ohio State University</a:t>
+            </a:r>
+            <a:endParaRPr lang="en-US" dirty="0"/>
+          </a:p>
+        </p:txBody>
+      </p:sp>
+    </p:spTree>
+    <p:extLst>
+      <p:ext uri="{BB962C8B-B14F-4D97-AF65-F5344CB8AC3E}">
+        <p14:creationId xmlns:p14="http://schemas.microsoft.com/office/powerpoint/2010/main" val="496126398"/>
       </p:ext>
     </p:extLst>
   </p:cSld>
@@ -3788,4 +4651,265 @@
     </a:ext>
   </a:extLst>
 </a:theme>
+</file>
+
+<file path=ppt/theme/theme2.xml><?xml version="1.0" encoding="utf-8"?>
+<a:theme xmlns:a="http://schemas.openxmlformats.org/drawingml/2006/main" name="Office Theme">
+  <a:themeElements>
+    <a:clrScheme name="Office">
+      <a:dk1>
+        <a:sysClr val="windowText" lastClr="000000"/>
+      </a:dk1>
+      <a:lt1>
+        <a:sysClr val="window" lastClr="FFFFFF"/>
+      </a:lt1>
+      <a:dk2>
+        <a:srgbClr val="44546A"/>
+      </a:dk2>
+      <a:lt2>
+        <a:srgbClr val="E7E6E6"/>
+      </a:lt2>
+      <a:accent1>
+        <a:srgbClr val="5B9BD5"/>
+      </a:accent1>
+      <a:accent2>
+        <a:srgbClr val="ED7D31"/>
+      </a:accent2>
+      <a:accent3>
+        <a:srgbClr val="A5A5A5"/>
+      </a:accent3>
+      <a:accent4>
+        <a:srgbClr val="FFC000"/>
+      </a:accent4>
+      <a:accent5>
+        <a:srgbClr val="4472C4"/>
+      </a:accent5>
+      <a:accent6>
+        <a:srgbClr val="70AD47"/>
+      </a:accent6>
+      <a:hlink>
+        <a:srgbClr val="0563C1"/>
+      </a:hlink>
+      <a:folHlink>
+        <a:srgbClr val="954F72"/>
+      </a:folHlink>
+    </a:clrScheme>
+    <a:fontScheme name="Office">
+      <a:majorFont>
+        <a:latin typeface="Calibri Light" panose="020F0302020204030204"/>
+        <a:ea typeface=""/>
+        <a:cs typeface=""/>
+        <a:font script="Jpan" typeface="Yu Gothic Light"/>
+        <a:font script="Hang" typeface="맑은 고딕"/>
+        <a:font script="Hans" typeface="DengXian Light"/>
+        <a:font script="Hant" typeface="新細明體"/>
+        <a:font script="Arab" typeface="Times New Roman"/>
+        <a:font script="Hebr" typeface="Times New Roman"/>
+        <a:font script="Thai" typeface="Angsana New"/>
+        <a:font script="Ethi" typeface="Nyala"/>
+        <a:font script="Beng" typeface="Vrinda"/>
+        <a:font script="Gujr" typeface="Shruti"/>
+        <a:font script="Khmr" typeface="MoolBoran"/>
+        <a:font script="Knda" typeface="Tunga"/>
+        <a:font script="Guru" typeface="Raavi"/>
+        <a:font script="Cans" typeface="Euphemia"/>
+        <a:font script="Cher" typeface="Plantagenet Cherokee"/>
+        <a:font script="Yiii" typeface="Microsoft Yi Baiti"/>
+        <a:font script="Tibt" typeface="Microsoft Himalaya"/>
+        <a:font script="Thaa" typeface="MV Boli"/>
+        <a:font script="Deva" typeface="Mangal"/>
+        <a:font script="Telu" typeface="Gautami"/>
+        <a:font script="Taml" typeface="Latha"/>
+        <a:font script="Syrc" typeface="Estrangelo Edessa"/>
+        <a:font script="Orya" typeface="Kalinga"/>
+        <a:font script="Mlym" typeface="Kartika"/>
+        <a:font script="Laoo" typeface="DokChampa"/>
+        <a:font script="Sinh" typeface="Iskoola Pota"/>
+        <a:font script="Mong" typeface="Mongolian Baiti"/>
+        <a:font script="Viet" typeface="Times New Roman"/>
+        <a:font script="Uigh" typeface="Microsoft Uighur"/>
+        <a:font script="Geor" typeface="Sylfaen"/>
+      </a:majorFont>
+      <a:minorFont>
+        <a:latin typeface="Calibri" panose="020F0502020204030204"/>
+        <a:ea typeface=""/>
+        <a:cs typeface=""/>
+        <a:font script="Jpan" typeface="Yu Gothic"/>
+        <a:font script="Hang" typeface="맑은 고딕"/>
+        <a:font script="Hans" typeface="DengXian"/>
+        <a:font script="Hant" typeface="新細明體"/>
+        <a:font script="Arab" typeface="Arial"/>
+        <a:font script="Hebr" typeface="Arial"/>
+        <a:font script="Thai" typeface="Cordia New"/>
+        <a:font script="Ethi" typeface="Nyala"/>
+        <a:font script="Beng" typeface="Vrinda"/>
+        <a:font script="Gujr" typeface="Shruti"/>
+        <a:font script="Khmr" typeface="DaunPenh"/>
+        <a:font script="Knda" typeface="Tunga"/>
+        <a:font script="Guru" typeface="Raavi"/>
+        <a:font script="Cans" typeface="Euphemia"/>
+        <a:font script="Cher" typeface="Plantagenet Cherokee"/>
+        <a:font script="Yiii" typeface="Microsoft Yi Baiti"/>
+        <a:font script="Tibt" typeface="Microsoft Himalaya"/>
+        <a:font script="Thaa" typeface="MV Boli"/>
+        <a:font script="Deva" typeface="Mangal"/>
+        <a:font script="Telu" typeface="Gautami"/>
+        <a:font script="Taml" typeface="Latha"/>
+        <a:font script="Syrc" typeface="Estrangelo Edessa"/>
+        <a:font script="Orya" typeface="Kalinga"/>
+        <a:font script="Mlym" typeface="Kartika"/>
+        <a:font script="Laoo" typeface="DokChampa"/>
+        <a:font script="Sinh" typeface="Iskoola Pota"/>
+        <a:font script="Mong" typeface="Mongolian Baiti"/>
+        <a:font script="Viet" typeface="Arial"/>
+        <a:font script="Uigh" typeface="Microsoft Uighur"/>
+        <a:font script="Geor" typeface="Sylfaen"/>
+      </a:minorFont>
+    </a:fontScheme>
+    <a:fmtScheme name="Office">
+      <a:fillStyleLst>
+        <a:solidFill>
+          <a:schemeClr val="phClr"/>
+        </a:solidFill>
+        <a:gradFill rotWithShape="1">
+          <a:gsLst>
+            <a:gs pos="0">
+              <a:schemeClr val="phClr">
+                <a:lumMod val="110000"/>
+                <a:satMod val="105000"/>
+                <a:tint val="67000"/>
+              </a:schemeClr>
+            </a:gs>
+            <a:gs pos="50000">
+              <a:schemeClr val="phClr">
+                <a:lumMod val="105000"/>
+                <a:satMod val="103000"/>
+                <a:tint val="73000"/>
+              </a:schemeClr>
+            </a:gs>
+            <a:gs pos="100000">
+              <a:schemeClr val="phClr">
+                <a:lumMod val="105000"/>
+                <a:satMod val="109000"/>
+                <a:tint val="81000"/>
+              </a:schemeClr>
+            </a:gs>
+          </a:gsLst>
+          <a:lin ang="5400000" scaled="0"/>
+        </a:gradFill>
+        <a:gradFill rotWithShape="1">
+          <a:gsLst>
+            <a:gs pos="0">
+              <a:schemeClr val="phClr">
+                <a:satMod val="103000"/>
+                <a:lumMod val="102000"/>
+                <a:tint val="94000"/>
+              </a:schemeClr>
+            </a:gs>
+            <a:gs pos="50000">
+              <a:schemeClr val="phClr">
+                <a:satMod val="110000"/>
+                <a:lumMod val="100000"/>
+                <a:shade val="100000"/>
+              </a:schemeClr>
+            </a:gs>
+            <a:gs pos="100000">
+              <a:schemeClr val="phClr">
+                <a:lumMod val="99000"/>
+                <a:satMod val="120000"/>
+                <a:shade val="78000"/>
+              </a:schemeClr>
+            </a:gs>
+          </a:gsLst>
+          <a:lin ang="5400000" scaled="0"/>
+        </a:gradFill>
+      </a:fillStyleLst>
+      <a:lnStyleLst>
+        <a:ln w="6350" cap="flat" cmpd="sng" algn="ctr">
+          <a:solidFill>
+            <a:schemeClr val="phClr"/>
+          </a:solidFill>
+          <a:prstDash val="solid"/>
+          <a:miter lim="800000"/>
+        </a:ln>
+        <a:ln w="12700" cap="flat" cmpd="sng" algn="ctr">
+          <a:solidFill>
+            <a:schemeClr val="phClr"/>
+          </a:solidFill>
+          <a:prstDash val="solid"/>
+          <a:miter lim="800000"/>
+        </a:ln>
+        <a:ln w="19050" cap="flat" cmpd="sng" algn="ctr">
+          <a:solidFill>
+            <a:schemeClr val="phClr"/>
+          </a:solidFill>
+          <a:prstDash val="solid"/>
+          <a:miter lim="800000"/>
+        </a:ln>
+      </a:lnStyleLst>
+      <a:effectStyleLst>
+        <a:effectStyle>
+          <a:effectLst/>
+        </a:effectStyle>
+        <a:effectStyle>
+          <a:effectLst/>
+        </a:effectStyle>
+        <a:effectStyle>
+          <a:effectLst>
+            <a:outerShdw blurRad="57150" dist="19050" dir="5400000" algn="ctr" rotWithShape="0">
+              <a:srgbClr val="000000">
+                <a:alpha val="63000"/>
+              </a:srgbClr>
+            </a:outerShdw>
+          </a:effectLst>
+        </a:effectStyle>
+      </a:effectStyleLst>
+      <a:bgFillStyleLst>
+        <a:solidFill>
+          <a:schemeClr val="phClr"/>
+        </a:solidFill>
+        <a:solidFill>
+          <a:schemeClr val="phClr">
+            <a:tint val="95000"/>
+            <a:satMod val="170000"/>
+          </a:schemeClr>
+        </a:solidFill>
+        <a:gradFill rotWithShape="1">
+          <a:gsLst>
+            <a:gs pos="0">
+              <a:schemeClr val="phClr">
+                <a:tint val="93000"/>
+                <a:satMod val="150000"/>
+                <a:shade val="98000"/>
+                <a:lumMod val="102000"/>
+              </a:schemeClr>
+            </a:gs>
+            <a:gs pos="50000">
+              <a:schemeClr val="phClr">
+                <a:tint val="98000"/>
+                <a:satMod val="130000"/>
+                <a:shade val="90000"/>
+                <a:lumMod val="103000"/>
+              </a:schemeClr>
+            </a:gs>
+            <a:gs pos="100000">
+              <a:schemeClr val="phClr">
+                <a:shade val="63000"/>
+                <a:satMod val="120000"/>
+              </a:schemeClr>
+            </a:gs>
+          </a:gsLst>
+          <a:lin ang="5400000" scaled="0"/>
+        </a:gradFill>
+      </a:bgFillStyleLst>
+    </a:fmtScheme>
+  </a:themeElements>
+  <a:objectDefaults/>
+  <a:extraClrSchemeLst/>
+  <a:extLst>
+    <a:ext uri="{05A4C25C-085E-4340-85A3-A5531E510DB2}">
+      <thm15:themeFamily xmlns:thm15="http://schemas.microsoft.com/office/thememl/2012/main" name="Office Theme" id="{62F939B6-93AF-4DB8-9C6B-D6C7DFDC589F}" vid="{4A3C46E8-61CC-4603-A589-7422A47A8E4A}"/>
+    </a:ext>
+  </a:extLst>
+</a:theme>
 </file>
--- a/erdos-music_project.pptx
+++ b/erdos-music_project.pptx
@@ -768,14 +768,14 @@
           </a:ln>
           <a:extLst>
             <a:ext uri="{909E8E84-426E-40dd-AFC4-6F175D3DCCD1}">
-              <a14:hiddenFill xmlns:a14="http://schemas.microsoft.com/office/drawing/2010/main" xmlns="">
+              <a14:hiddenFill xmlns="" xmlns:a14="http://schemas.microsoft.com/office/drawing/2010/main">
                 <a:solidFill>
                   <a:srgbClr val="FFFFFF"/>
                 </a:solidFill>
               </a14:hiddenFill>
             </a:ext>
             <a:ext uri="{91240B29-F687-4f45-9708-019B960494DF}">
-              <a14:hiddenLine xmlns:a14="http://schemas.microsoft.com/office/drawing/2010/main" xmlns="" w="9525">
+              <a14:hiddenLine xmlns="" xmlns:a14="http://schemas.microsoft.com/office/drawing/2010/main" w="9525">
                 <a:solidFill>
                   <a:srgbClr val="000000"/>
                 </a:solidFill>
@@ -3550,11 +3550,7 @@
           <a:p>
             <a:r>
               <a:rPr lang="en-US" dirty="0" smtClean="0"/>
-              <a:t>Metal or </a:t>
-            </a:r>
-            <a:r>
-              <a:rPr lang="en-US" dirty="0" smtClean="0"/>
-              <a:t>Not?</a:t>
+              <a:t>Metal or Not?</a:t>
             </a:r>
             <a:endParaRPr lang="en-US" dirty="0"/>
           </a:p>
@@ -3590,13 +3586,8 @@
           <a:p>
             <a:r>
               <a:rPr lang="en-US" sz="2200" i="1" dirty="0" smtClean="0"/>
-              <a:t>Building a model to classify if song lyrics are of the metal </a:t>
-            </a:r>
-            <a:r>
-              <a:rPr lang="en-US" sz="2200" i="1" dirty="0" smtClean="0"/>
-              <a:t>genre or not?</a:t>
-            </a:r>
-            <a:endParaRPr lang="en-US" sz="2200" i="1" dirty="0" smtClean="0"/>
+              <a:t>Building a model to classify if song lyrics are of the metal genre or not?</a:t>
+            </a:r>
           </a:p>
           <a:p>
             <a:r>
@@ -3732,11 +3723,7 @@
             <a:pPr algn="ctr"/>
             <a:r>
               <a:rPr lang="en-US" dirty="0" smtClean="0"/>
-              <a:t>The </a:t>
-            </a:r>
-            <a:r>
-              <a:rPr lang="en-US" dirty="0" smtClean="0"/>
-              <a:t>Question and Goal</a:t>
+              <a:t>The Question and Goal</a:t>
             </a:r>
             <a:endParaRPr lang="en-US" dirty="0"/>
           </a:p>
@@ -3772,7 +3759,6 @@
               <a:rPr lang="en-US" sz="2800" dirty="0" smtClean="0"/>
               <a:t>You may have noticed that lyrics of songs from different genres of music tend to focus on different topics. </a:t>
             </a:r>
-            <a:endParaRPr lang="en-US" sz="2800" dirty="0" smtClean="0"/>
           </a:p>
           <a:p>
             <a:pPr marL="285750" indent="-285750">
@@ -3790,7 +3776,6 @@
               <a:rPr lang="en-US" sz="2800" dirty="0" smtClean="0"/>
               <a:t> When you think of reggae music what common words come to mind? What about when you think of heavy metal?</a:t>
             </a:r>
-            <a:endParaRPr lang="en-US" sz="2800" dirty="0" smtClean="0"/>
           </a:p>
           <a:p>
             <a:pPr marL="285750" indent="-285750">
@@ -3808,7 +3793,6 @@
               <a:rPr lang="en-US" sz="2800" dirty="0" smtClean="0"/>
               <a:t> Create a classifier to distinguish song lyrics by genre.</a:t>
             </a:r>
-            <a:endParaRPr lang="en-US" sz="2800" dirty="0" smtClean="0"/>
           </a:p>
           <a:p>
             <a:pPr marL="285750" indent="-285750">
@@ -3982,13 +3966,7 @@
               <a:rPr lang="en-US" dirty="0" smtClean="0">
                 <a:hlinkClick r:id="rId4"/>
               </a:rPr>
-              <a:t>http://www.azlyrics.com</a:t>
-            </a:r>
-            <a:r>
-              <a:rPr lang="en-US" dirty="0" smtClean="0">
-                <a:hlinkClick r:id="rId4"/>
-              </a:rPr>
-              <a:t>)</a:t>
+              <a:t>http://www.azlyrics.com)</a:t>
             </a:r>
             <a:endParaRPr lang="en-US" dirty="0" smtClean="0"/>
           </a:p>
@@ -4358,8 +4336,14 @@
               <a:t>eileen.blum@rutgers.edu</a:t>
             </a:r>
             <a:r>
-              <a:rPr lang="en-US" smtClean="0"/>
+              <a:rPr lang="en-US" dirty="0" smtClean="0"/>
               <a:t>		</a:t>
+            </a:r>
+            <a:r>
+              <a:rPr lang="en-US" u="sng" dirty="0">
+                <a:hlinkClick r:id="rId4"/>
+              </a:rPr>
+              <a:t>hernandezpalomares.1@osu.edu</a:t>
             </a:r>
             <a:endParaRPr lang="en-US" dirty="0" smtClean="0"/>
           </a:p>

--- a/erdos-music_project.pptx
+++ b/erdos-music_project.pptx
@@ -5,15 +5,17 @@
     <p:sldMasterId id="2147483672" r:id="rId1"/>
   </p:sldMasterIdLst>
   <p:notesMasterIdLst>
-    <p:notesMasterId r:id="rId8"/>
+    <p:notesMasterId r:id="rId10"/>
   </p:notesMasterIdLst>
   <p:sldIdLst>
     <p:sldId id="256" r:id="rId2"/>
     <p:sldId id="257" r:id="rId3"/>
     <p:sldId id="258" r:id="rId4"/>
     <p:sldId id="259" r:id="rId5"/>
-    <p:sldId id="260" r:id="rId6"/>
-    <p:sldId id="261" r:id="rId7"/>
+    <p:sldId id="262" r:id="rId6"/>
+    <p:sldId id="263" r:id="rId7"/>
+    <p:sldId id="260" r:id="rId8"/>
+    <p:sldId id="261" r:id="rId9"/>
   </p:sldIdLst>
   <p:sldSz cx="12192000" cy="6858000"/>
   <p:notesSz cx="6858000" cy="9144000"/>
@@ -535,7 +537,7 @@
           <a:p>
             <a:fld id="{41A8A208-B538-A443-8AF9-C74EC34A4FD4}" type="slidenum">
               <a:rPr lang="en-US" smtClean="0"/>
-              <a:t>5</a:t>
+              <a:t>7</a:t>
             </a:fld>
             <a:endParaRPr lang="en-US"/>
           </a:p>
@@ -4115,6 +4117,11 @@
               <a:rPr lang="en-US" dirty="0"/>
               <a:t>We achieved % lyric classification accuracy by using </a:t>
             </a:r>
+            <a:r>
+              <a:rPr lang="en-US" dirty="0" smtClean="0"/>
+              <a:t>a Decision Tree Classifier</a:t>
+            </a:r>
+            <a:endParaRPr lang="en-US" dirty="0"/>
           </a:p>
           <a:p>
             <a:endParaRPr lang="en-US" dirty="0"/>
@@ -4161,6 +4168,229 @@
             <p:ph type="title"/>
           </p:nvPr>
         </p:nvSpPr>
+        <p:spPr>
+          <a:xfrm>
+            <a:off x="466332" y="118309"/>
+            <a:ext cx="4879443" cy="1217354"/>
+          </a:xfrm>
+        </p:spPr>
+        <p:txBody>
+          <a:bodyPr>
+            <a:normAutofit/>
+          </a:bodyPr>
+          <a:lstStyle/>
+          <a:p>
+            <a:r>
+              <a:rPr lang="en-US" sz="2800" smtClean="0"/>
+              <a:t>Data Frame Input to Word2Vec</a:t>
+            </a:r>
+            <a:endParaRPr lang="en-US" sz="2800" dirty="0"/>
+          </a:p>
+        </p:txBody>
+      </p:sp>
+      <p:pic>
+        <p:nvPicPr>
+          <p:cNvPr id="5" name="Picture 4"/>
+          <p:cNvPicPr>
+            <a:picLocks noChangeAspect="1"/>
+          </p:cNvPicPr>
+          <p:nvPr/>
+        </p:nvPicPr>
+        <p:blipFill>
+          <a:blip r:embed="rId2">
+            <a:extLst>
+              <a:ext uri="{28A0092B-C50C-407E-A947-70E740481C1C}">
+                <a14:useLocalDpi xmlns:a14="http://schemas.microsoft.com/office/drawing/2010/main" val="0"/>
+              </a:ext>
+            </a:extLst>
+          </a:blip>
+          <a:stretch>
+            <a:fillRect/>
+          </a:stretch>
+        </p:blipFill>
+        <p:spPr>
+          <a:xfrm>
+            <a:off x="6517322" y="1309156"/>
+            <a:ext cx="5162978" cy="5454028"/>
+          </a:xfrm>
+          <a:prstGeom prst="rect">
+            <a:avLst/>
+          </a:prstGeom>
+        </p:spPr>
+      </p:pic>
+      <p:pic>
+        <p:nvPicPr>
+          <p:cNvPr id="6" name="Picture 5"/>
+          <p:cNvPicPr>
+            <a:picLocks noChangeAspect="1"/>
+          </p:cNvPicPr>
+          <p:nvPr/>
+        </p:nvPicPr>
+        <p:blipFill>
+          <a:blip r:embed="rId3">
+            <a:extLst>
+              <a:ext uri="{28A0092B-C50C-407E-A947-70E740481C1C}">
+                <a14:useLocalDpi xmlns:a14="http://schemas.microsoft.com/office/drawing/2010/main" val="0"/>
+              </a:ext>
+            </a:extLst>
+          </a:blip>
+          <a:stretch>
+            <a:fillRect/>
+          </a:stretch>
+        </p:blipFill>
+        <p:spPr>
+          <a:xfrm>
+            <a:off x="1041988" y="1335663"/>
+            <a:ext cx="3728129" cy="5548843"/>
+          </a:xfrm>
+          <a:prstGeom prst="rect">
+            <a:avLst/>
+          </a:prstGeom>
+        </p:spPr>
+      </p:pic>
+      <p:sp>
+        <p:nvSpPr>
+          <p:cNvPr id="8" name="Title 1"/>
+          <p:cNvSpPr txBox="1">
+            <a:spLocks/>
+          </p:cNvSpPr>
+          <p:nvPr/>
+        </p:nvSpPr>
+        <p:spPr>
+          <a:xfrm>
+            <a:off x="6115493" y="168002"/>
+            <a:ext cx="5966637" cy="1293554"/>
+          </a:xfrm>
+          <a:prstGeom prst="rect">
+            <a:avLst/>
+          </a:prstGeom>
+        </p:spPr>
+        <p:txBody>
+          <a:bodyPr vert="horz" lIns="91440" tIns="45720" rIns="91440" bIns="45720" rtlCol="0" anchor="ctr">
+            <a:normAutofit/>
+          </a:bodyPr>
+          <a:lstStyle>
+            <a:lvl1pPr algn="l" defTabSz="914400" rtl="0" eaLnBrk="1" latinLnBrk="0" hangingPunct="1">
+              <a:lnSpc>
+                <a:spcPct val="90000"/>
+              </a:lnSpc>
+              <a:spcBef>
+                <a:spcPct val="0"/>
+              </a:spcBef>
+              <a:buNone/>
+              <a:defRPr sz="4400" kern="1200">
+                <a:solidFill>
+                  <a:schemeClr val="tx1"/>
+                </a:solidFill>
+                <a:latin typeface="+mj-lt"/>
+                <a:ea typeface="+mj-ea"/>
+                <a:cs typeface="+mj-cs"/>
+              </a:defRPr>
+            </a:lvl1pPr>
+          </a:lstStyle>
+          <a:p>
+            <a:r>
+              <a:rPr lang="en-US" sz="2800" smtClean="0"/>
+              <a:t>K-Means Clustering of words with PCA</a:t>
+            </a:r>
+            <a:endParaRPr lang="en-US" sz="2800" dirty="0"/>
+          </a:p>
+        </p:txBody>
+      </p:sp>
+    </p:spTree>
+    <p:extLst>
+      <p:ext uri="{BB962C8B-B14F-4D97-AF65-F5344CB8AC3E}">
+        <p14:creationId xmlns:p14="http://schemas.microsoft.com/office/powerpoint/2010/main" val="1860784889"/>
+      </p:ext>
+    </p:extLst>
+  </p:cSld>
+  <p:clrMapOvr>
+    <a:masterClrMapping/>
+  </p:clrMapOvr>
+</p:sld>
+</file>
+
+<file path=ppt/slides/slide6.xml><?xml version="1.0" encoding="utf-8"?>
+<p:sld xmlns:a="http://schemas.openxmlformats.org/drawingml/2006/main" xmlns:r="http://schemas.openxmlformats.org/officeDocument/2006/relationships" xmlns:p="http://schemas.openxmlformats.org/presentationml/2006/main">
+  <p:cSld>
+    <p:spTree>
+      <p:nvGrpSpPr>
+        <p:cNvPr id="1" name=""/>
+        <p:cNvGrpSpPr/>
+        <p:nvPr/>
+      </p:nvGrpSpPr>
+      <p:grpSpPr>
+        <a:xfrm>
+          <a:off x="0" y="0"/>
+          <a:ext cx="0" cy="0"/>
+          <a:chOff x="0" y="0"/>
+          <a:chExt cx="0" cy="0"/>
+        </a:xfrm>
+      </p:grpSpPr>
+      <p:sp>
+        <p:nvSpPr>
+          <p:cNvPr id="2" name="Title 1"/>
+          <p:cNvSpPr>
+            <a:spLocks noGrp="1"/>
+          </p:cNvSpPr>
+          <p:nvPr>
+            <p:ph type="title"/>
+          </p:nvPr>
+        </p:nvSpPr>
+        <p:spPr/>
+        <p:txBody>
+          <a:bodyPr/>
+          <a:lstStyle/>
+          <a:p>
+            <a:pPr algn="ctr"/>
+            <a:r>
+              <a:rPr lang="en-US" dirty="0" smtClean="0"/>
+              <a:t>Decision Tree</a:t>
+            </a:r>
+            <a:endParaRPr lang="en-US" dirty="0"/>
+          </a:p>
+        </p:txBody>
+      </p:sp>
+    </p:spTree>
+    <p:extLst>
+      <p:ext uri="{BB962C8B-B14F-4D97-AF65-F5344CB8AC3E}">
+        <p14:creationId xmlns:p14="http://schemas.microsoft.com/office/powerpoint/2010/main" val="1362897135"/>
+      </p:ext>
+    </p:extLst>
+  </p:cSld>
+  <p:clrMapOvr>
+    <a:masterClrMapping/>
+  </p:clrMapOvr>
+</p:sld>
+</file>
+
+<file path=ppt/slides/slide7.xml><?xml version="1.0" encoding="utf-8"?>
+<p:sld xmlns:a="http://schemas.openxmlformats.org/drawingml/2006/main" xmlns:r="http://schemas.openxmlformats.org/officeDocument/2006/relationships" xmlns:p="http://schemas.openxmlformats.org/presentationml/2006/main">
+  <p:cSld>
+    <p:spTree>
+      <p:nvGrpSpPr>
+        <p:cNvPr id="1" name=""/>
+        <p:cNvGrpSpPr/>
+        <p:nvPr/>
+      </p:nvGrpSpPr>
+      <p:grpSpPr>
+        <a:xfrm>
+          <a:off x="0" y="0"/>
+          <a:ext cx="0" cy="0"/>
+          <a:chOff x="0" y="0"/>
+          <a:chExt cx="0" cy="0"/>
+        </a:xfrm>
+      </p:grpSpPr>
+      <p:sp>
+        <p:nvSpPr>
+          <p:cNvPr id="2" name="Title 1"/>
+          <p:cNvSpPr>
+            <a:spLocks noGrp="1"/>
+          </p:cNvSpPr>
+          <p:nvPr>
+            <p:ph type="title"/>
+          </p:nvPr>
+        </p:nvSpPr>
         <p:spPr/>
         <p:txBody>
           <a:bodyPr/>
@@ -4229,7 +4459,7 @@
 </p:sld>
 </file>
 
-<file path=ppt/slides/slide6.xml><?xml version="1.0" encoding="utf-8"?>
+<file path=ppt/slides/slide8.xml><?xml version="1.0" encoding="utf-8"?>
 <p:sld xmlns:a="http://schemas.openxmlformats.org/drawingml/2006/main" xmlns:r="http://schemas.openxmlformats.org/officeDocument/2006/relationships" xmlns:p="http://schemas.openxmlformats.org/presentationml/2006/main">
   <p:cSld>
     <p:spTree>

--- a/erdos-music_project.pptx
+++ b/erdos-music_project.pptx
@@ -3582,8 +3582,17 @@
           <a:p>
             <a:r>
               <a:rPr lang="en-US" dirty="0" smtClean="0"/>
-              <a:t>Team 3: Eileen Blum and Roberto Hernandez</a:t>
-            </a:r>
+              <a:t>Team 3: Eileen Blum and </a:t>
+            </a:r>
+            <a:r>
+              <a:rPr lang="en-US" dirty="0"/>
+              <a:t>Roberto Hernández </a:t>
+            </a:r>
+            <a:r>
+              <a:rPr lang="en-US" dirty="0" err="1"/>
+              <a:t>Palomares</a:t>
+            </a:r>
+            <a:endParaRPr lang="en-US" dirty="0" smtClean="0"/>
           </a:p>
           <a:p>
             <a:r>
@@ -3995,7 +4004,15 @@
             </a:r>
             <a:r>
               <a:rPr lang="en-US" dirty="0"/>
-              <a:t>We trained a sentiment classification model using the </a:t>
+              <a:t>We trained a </a:t>
+            </a:r>
+            <a:r>
+              <a:rPr lang="en-US" dirty="0" smtClean="0"/>
+              <a:t>genre classification </a:t>
+            </a:r>
+            <a:r>
+              <a:rPr lang="en-US" dirty="0"/>
+              <a:t>model using the </a:t>
             </a:r>
             <a:r>
               <a:rPr lang="en-US" dirty="0" err="1" smtClean="0"/>
@@ -4190,7 +4207,7 @@
       </p:sp>
       <p:pic>
         <p:nvPicPr>
-          <p:cNvPr id="5" name="Picture 4"/>
+          <p:cNvPr id="6" name="Picture 5"/>
           <p:cNvPicPr>
             <a:picLocks noChangeAspect="1"/>
           </p:cNvPicPr>
@@ -4210,17 +4227,72 @@
         </p:blipFill>
         <p:spPr>
           <a:xfrm>
-            <a:off x="6517322" y="1309156"/>
-            <a:ext cx="5162978" cy="5454028"/>
+            <a:off x="838788" y="1349934"/>
+            <a:ext cx="3728129" cy="5548843"/>
           </a:xfrm>
           <a:prstGeom prst="rect">
             <a:avLst/>
           </a:prstGeom>
         </p:spPr>
       </p:pic>
+      <p:sp>
+        <p:nvSpPr>
+          <p:cNvPr id="8" name="Title 1"/>
+          <p:cNvSpPr txBox="1">
+            <a:spLocks/>
+          </p:cNvSpPr>
+          <p:nvPr/>
+        </p:nvSpPr>
+        <p:spPr>
+          <a:xfrm>
+            <a:off x="6115493" y="168002"/>
+            <a:ext cx="5966637" cy="1293554"/>
+          </a:xfrm>
+          <a:prstGeom prst="rect">
+            <a:avLst/>
+          </a:prstGeom>
+        </p:spPr>
+        <p:txBody>
+          <a:bodyPr vert="horz" lIns="91440" tIns="45720" rIns="91440" bIns="45720" rtlCol="0" anchor="ctr">
+            <a:normAutofit/>
+          </a:bodyPr>
+          <a:lstStyle>
+            <a:lvl1pPr algn="l" defTabSz="914400" rtl="0" eaLnBrk="1" latinLnBrk="0" hangingPunct="1">
+              <a:lnSpc>
+                <a:spcPct val="90000"/>
+              </a:lnSpc>
+              <a:spcBef>
+                <a:spcPct val="0"/>
+              </a:spcBef>
+              <a:buNone/>
+              <a:defRPr sz="4400" kern="1200">
+                <a:solidFill>
+                  <a:schemeClr val="tx1"/>
+                </a:solidFill>
+                <a:latin typeface="+mj-lt"/>
+                <a:ea typeface="+mj-ea"/>
+                <a:cs typeface="+mj-cs"/>
+              </a:defRPr>
+            </a:lvl1pPr>
+          </a:lstStyle>
+          <a:p>
+            <a:r>
+              <a:rPr lang="en-US" sz="2800" dirty="0" smtClean="0"/>
+              <a:t>K-Means Clustering of words with PCA</a:t>
+            </a:r>
+          </a:p>
+          <a:p>
+            <a:r>
+              <a:rPr lang="en-US" sz="2800" dirty="0" smtClean="0"/>
+              <a:t>k = 100 clusters</a:t>
+            </a:r>
+            <a:endParaRPr lang="en-US" sz="2800" dirty="0"/>
+          </a:p>
+        </p:txBody>
+      </p:sp>
       <p:pic>
         <p:nvPicPr>
-          <p:cNvPr id="6" name="Picture 5"/>
+          <p:cNvPr id="9" name="Picture 8"/>
           <p:cNvPicPr>
             <a:picLocks noChangeAspect="1"/>
           </p:cNvPicPr>
@@ -4240,63 +4312,14 @@
         </p:blipFill>
         <p:spPr>
           <a:xfrm>
-            <a:off x="1041988" y="1335663"/>
-            <a:ext cx="3728129" cy="5548843"/>
+            <a:off x="5336635" y="1335663"/>
+            <a:ext cx="6729339" cy="5520299"/>
           </a:xfrm>
           <a:prstGeom prst="rect">
             <a:avLst/>
           </a:prstGeom>
         </p:spPr>
       </p:pic>
-      <p:sp>
-        <p:nvSpPr>
-          <p:cNvPr id="8" name="Title 1"/>
-          <p:cNvSpPr txBox="1">
-            <a:spLocks/>
-          </p:cNvSpPr>
-          <p:nvPr/>
-        </p:nvSpPr>
-        <p:spPr>
-          <a:xfrm>
-            <a:off x="6115493" y="168002"/>
-            <a:ext cx="5966637" cy="1293554"/>
-          </a:xfrm>
-          <a:prstGeom prst="rect">
-            <a:avLst/>
-          </a:prstGeom>
-        </p:spPr>
-        <p:txBody>
-          <a:bodyPr vert="horz" lIns="91440" tIns="45720" rIns="91440" bIns="45720" rtlCol="0" anchor="ctr">
-            <a:normAutofit/>
-          </a:bodyPr>
-          <a:lstStyle>
-            <a:lvl1pPr algn="l" defTabSz="914400" rtl="0" eaLnBrk="1" latinLnBrk="0" hangingPunct="1">
-              <a:lnSpc>
-                <a:spcPct val="90000"/>
-              </a:lnSpc>
-              <a:spcBef>
-                <a:spcPct val="0"/>
-              </a:spcBef>
-              <a:buNone/>
-              <a:defRPr sz="4400" kern="1200">
-                <a:solidFill>
-                  <a:schemeClr val="tx1"/>
-                </a:solidFill>
-                <a:latin typeface="+mj-lt"/>
-                <a:ea typeface="+mj-ea"/>
-                <a:cs typeface="+mj-cs"/>
-              </a:defRPr>
-            </a:lvl1pPr>
-          </a:lstStyle>
-          <a:p>
-            <a:r>
-              <a:rPr lang="en-US" sz="2800" smtClean="0"/>
-              <a:t>K-Means Clustering of words with PCA</a:t>
-            </a:r>
-            <a:endParaRPr lang="en-US" sz="2800" dirty="0"/>
-          </a:p>
-        </p:txBody>
-      </p:sp>
     </p:spTree>
     <p:extLst>
       <p:ext uri="{BB962C8B-B14F-4D97-AF65-F5344CB8AC3E}">
@@ -4552,8 +4575,17 @@
             </a:pPr>
             <a:r>
               <a:rPr lang="en-US" dirty="0" smtClean="0"/>
-              <a:t>	Eileen Blum					Roberto Hernandez</a:t>
-            </a:r>
+              <a:t>	Eileen Blum				</a:t>
+            </a:r>
+            <a:r>
+              <a:rPr lang="en-US" dirty="0" smtClean="0"/>
+              <a:t>Roberto Hernández </a:t>
+            </a:r>
+            <a:r>
+              <a:rPr lang="en-US" dirty="0" err="1" smtClean="0"/>
+              <a:t>Palomares</a:t>
+            </a:r>
+            <a:endParaRPr lang="en-US" dirty="0" smtClean="0"/>
           </a:p>
           <a:p>
             <a:pPr marL="0" indent="0">
@@ -4587,7 +4619,15 @@
             </a:r>
             <a:r>
               <a:rPr lang="en-US" dirty="0" smtClean="0"/>
-              <a:t>    Rutgers University			       The Ohio State University</a:t>
+              <a:t>    Rutgers University			 </a:t>
+            </a:r>
+            <a:r>
+              <a:rPr lang="en-US" dirty="0" smtClean="0"/>
+              <a:t>The </a:t>
+            </a:r>
+            <a:r>
+              <a:rPr lang="en-US" dirty="0" smtClean="0"/>
+              <a:t>Ohio State University</a:t>
             </a:r>
             <a:endParaRPr lang="en-US" dirty="0"/>
           </a:p>
